--- a/PPTs/Ziyarat Tazia Ashura day.pptx
+++ b/PPTs/Ziyarat Tazia Ashura day.pptx
@@ -8,7 +8,7 @@
     <p:notesMasterId r:id="rId78"/>
   </p:notesMasterIdLst>
   <p:sldIdLst>
-    <p:sldId id="262" r:id="rId2"/>
+    <p:sldId id="5444" r:id="rId2"/>
     <p:sldId id="5441" r:id="rId3"/>
     <p:sldId id="5042" r:id="rId4"/>
     <p:sldId id="1716" r:id="rId5"/>
@@ -1904,19 +1904,19 @@
             </a:extLst>
           </p:cNvPr>
           <p:cNvPicPr>
-            <a:picLocks noGrp="1" noRot="1" noChangeAspect="1" noMove="1" noResize="1" noEditPoints="1" noAdjustHandles="1" noChangeArrowheads="1" noChangeShapeType="1" noCrop="1"/>
+            <a:picLocks noChangeAspect="1"/>
           </p:cNvPicPr>
           <p:nvPr/>
         </p:nvPicPr>
         <p:blipFill rotWithShape="1">
           <a:blip r:embed="rId2"/>
-          <a:srcRect l="24690" r="27248" b="16665"/>
+          <a:srcRect l="10784" t="12799" r="27248" b="11727"/>
           <a:stretch/>
         </p:blipFill>
         <p:spPr>
           <a:xfrm>
-            <a:off x="7248128" y="-1"/>
-            <a:ext cx="4943872" cy="6858001"/>
+            <a:off x="5162550" y="0"/>
+            <a:ext cx="7029450" cy="6849289"/>
           </a:xfrm>
           <a:prstGeom prst="rect">
             <a:avLst/>
@@ -2259,7 +2259,7 @@
         </p:nvSpPr>
         <p:spPr>
           <a:xfrm>
-            <a:off x="8421468" y="5713181"/>
+            <a:off x="8116059" y="5507547"/>
             <a:ext cx="3328784" cy="781689"/>
           </a:xfrm>
           <a:prstGeom prst="rect">
@@ -2291,7 +2291,7 @@
               <a:defRPr/>
             </a:pPr>
             <a:r>
-              <a:rPr kumimoji="0" lang="ur-PK" sz="2000" b="0" i="0" u="none" strike="noStrike" kern="1200" cap="none" spc="0" normalizeH="0" baseline="0" noProof="0" dirty="0">
+              <a:rPr kumimoji="0" lang="ur-PK" sz="2000" b="0" i="0" u="none" strike="noStrike" kern="1200" cap="none" spc="0" normalizeH="0" baseline="0" noProof="0" dirty="0" err="1">
                 <a:ln>
                   <a:noFill/>
                 </a:ln>
@@ -2305,7 +2305,143 @@
                 <a:ea typeface="+mn-ea"/>
                 <a:cs typeface="Abbas" panose="02000000000000000000" pitchFamily="2" charset="-78"/>
               </a:rPr>
-              <a:t>إِنَّهُمْ يَرَوْنَهُ بَعِيداً وَنَرَاهُ قَرِيباً</a:t>
+              <a:t>إِنَّهُمْ</a:t>
+            </a:r>
+            <a:r>
+              <a:rPr kumimoji="0" lang="ur-PK" sz="2000" b="0" i="0" u="none" strike="noStrike" kern="1200" cap="none" spc="0" normalizeH="0" baseline="0" noProof="0" dirty="0">
+                <a:ln>
+                  <a:noFill/>
+                </a:ln>
+                <a:solidFill>
+                  <a:srgbClr val="F4E1C4"/>
+                </a:solidFill>
+                <a:effectLst/>
+                <a:uLnTx/>
+                <a:uFillTx/>
+                <a:latin typeface="Abbas" panose="02000000000000000000" pitchFamily="2" charset="-78"/>
+                <a:ea typeface="+mn-ea"/>
+                <a:cs typeface="Abbas" panose="02000000000000000000" pitchFamily="2" charset="-78"/>
+              </a:rPr>
+              <a:t> </a:t>
+            </a:r>
+            <a:r>
+              <a:rPr kumimoji="0" lang="ur-PK" sz="2000" b="0" i="0" u="none" strike="noStrike" kern="1200" cap="none" spc="0" normalizeH="0" baseline="0" noProof="0" dirty="0" err="1">
+                <a:ln>
+                  <a:noFill/>
+                </a:ln>
+                <a:solidFill>
+                  <a:srgbClr val="F4E1C4"/>
+                </a:solidFill>
+                <a:effectLst/>
+                <a:uLnTx/>
+                <a:uFillTx/>
+                <a:latin typeface="Abbas" panose="02000000000000000000" pitchFamily="2" charset="-78"/>
+                <a:ea typeface="+mn-ea"/>
+                <a:cs typeface="Abbas" panose="02000000000000000000" pitchFamily="2" charset="-78"/>
+              </a:rPr>
+              <a:t>يَرَوْنَهُ</a:t>
+            </a:r>
+            <a:r>
+              <a:rPr kumimoji="0" lang="ur-PK" sz="2000" b="0" i="0" u="none" strike="noStrike" kern="1200" cap="none" spc="0" normalizeH="0" baseline="0" noProof="0" dirty="0">
+                <a:ln>
+                  <a:noFill/>
+                </a:ln>
+                <a:solidFill>
+                  <a:srgbClr val="F4E1C4"/>
+                </a:solidFill>
+                <a:effectLst/>
+                <a:uLnTx/>
+                <a:uFillTx/>
+                <a:latin typeface="Abbas" panose="02000000000000000000" pitchFamily="2" charset="-78"/>
+                <a:ea typeface="+mn-ea"/>
+                <a:cs typeface="Abbas" panose="02000000000000000000" pitchFamily="2" charset="-78"/>
+              </a:rPr>
+              <a:t> </a:t>
+            </a:r>
+            <a:r>
+              <a:rPr kumimoji="0" lang="ur-PK" sz="2000" b="0" i="0" u="none" strike="noStrike" kern="1200" cap="none" spc="0" normalizeH="0" baseline="0" noProof="0" dirty="0" err="1">
+                <a:ln>
+                  <a:noFill/>
+                </a:ln>
+                <a:solidFill>
+                  <a:srgbClr val="F4E1C4"/>
+                </a:solidFill>
+                <a:effectLst/>
+                <a:uLnTx/>
+                <a:uFillTx/>
+                <a:latin typeface="Abbas" panose="02000000000000000000" pitchFamily="2" charset="-78"/>
+                <a:ea typeface="+mn-ea"/>
+                <a:cs typeface="Abbas" panose="02000000000000000000" pitchFamily="2" charset="-78"/>
+              </a:rPr>
+              <a:t>بَعِيداً</a:t>
+            </a:r>
+            <a:r>
+              <a:rPr kumimoji="0" lang="ur-PK" sz="2000" b="0" i="0" u="none" strike="noStrike" kern="1200" cap="none" spc="0" normalizeH="0" baseline="0" noProof="0" dirty="0">
+                <a:ln>
+                  <a:noFill/>
+                </a:ln>
+                <a:solidFill>
+                  <a:srgbClr val="F4E1C4"/>
+                </a:solidFill>
+                <a:effectLst/>
+                <a:uLnTx/>
+                <a:uFillTx/>
+                <a:latin typeface="Abbas" panose="02000000000000000000" pitchFamily="2" charset="-78"/>
+                <a:ea typeface="+mn-ea"/>
+                <a:cs typeface="Abbas" panose="02000000000000000000" pitchFamily="2" charset="-78"/>
+              </a:rPr>
+              <a:t> </a:t>
+            </a:r>
+            <a:r>
+              <a:rPr kumimoji="0" lang="ur-PK" sz="2000" b="0" i="0" u="none" strike="noStrike" kern="1200" cap="none" spc="0" normalizeH="0" baseline="0" noProof="0" dirty="0" err="1">
+                <a:ln>
+                  <a:noFill/>
+                </a:ln>
+                <a:solidFill>
+                  <a:srgbClr val="F4E1C4"/>
+                </a:solidFill>
+                <a:effectLst/>
+                <a:uLnTx/>
+                <a:uFillTx/>
+                <a:latin typeface="Abbas" panose="02000000000000000000" pitchFamily="2" charset="-78"/>
+                <a:ea typeface="+mn-ea"/>
+                <a:cs typeface="Abbas" panose="02000000000000000000" pitchFamily="2" charset="-78"/>
+              </a:rPr>
+              <a:t>وَنَرَاهُ</a:t>
+            </a:r>
+            <a:r>
+              <a:rPr kumimoji="0" lang="ur-PK" sz="2000" b="0" i="0" u="none" strike="noStrike" kern="1200" cap="none" spc="0" normalizeH="0" baseline="0" noProof="0" dirty="0">
+                <a:ln>
+                  <a:noFill/>
+                </a:ln>
+                <a:solidFill>
+                  <a:srgbClr val="F4E1C4"/>
+                </a:solidFill>
+                <a:effectLst/>
+                <a:uLnTx/>
+                <a:uFillTx/>
+                <a:latin typeface="Abbas" panose="02000000000000000000" pitchFamily="2" charset="-78"/>
+                <a:ea typeface="+mn-ea"/>
+                <a:cs typeface="Abbas" panose="02000000000000000000" pitchFamily="2" charset="-78"/>
+              </a:rPr>
+              <a:t> </a:t>
+            </a:r>
+            <a:r>
+              <a:rPr kumimoji="0" lang="ur-PK" sz="2000" b="0" i="0" u="none" strike="noStrike" kern="1200" cap="none" spc="0" normalizeH="0" baseline="0" noProof="0" dirty="0" err="1">
+                <a:ln>
+                  <a:noFill/>
+                </a:ln>
+                <a:solidFill>
+                  <a:srgbClr val="F4E1C4"/>
+                </a:solidFill>
+                <a:effectLst/>
+                <a:uLnTx/>
+                <a:uFillTx/>
+                <a:latin typeface="Abbas" panose="02000000000000000000" pitchFamily="2" charset="-78"/>
+                <a:ea typeface="+mn-ea"/>
+                <a:cs typeface="Abbas" panose="02000000000000000000" pitchFamily="2" charset="-78"/>
+              </a:rPr>
+              <a:t>قَرِيباً</a:t>
             </a:r>
             <a:endParaRPr kumimoji="0" lang="en-CA" sz="2000" b="0" i="0" u="none" strike="noStrike" kern="1200" cap="none" spc="0" normalizeH="0" baseline="0" noProof="0" dirty="0">
               <a:ln>
@@ -2394,7 +2530,7 @@
     </p:spTree>
     <p:extLst>
       <p:ext uri="{BB962C8B-B14F-4D97-AF65-F5344CB8AC3E}">
-        <p14:creationId xmlns:p14="http://schemas.microsoft.com/office/powerpoint/2010/main" val="1633471537"/>
+        <p14:creationId xmlns:p14="http://schemas.microsoft.com/office/powerpoint/2010/main" val="2415886631"/>
       </p:ext>
     </p:extLst>
   </p:cSld>
